--- a/01 Classes/Aula 06 Programação Python - Estrutura de Repetição While.pptx
+++ b/01 Classes/Aula 06 Programação Python - Estrutura de Repetição While.pptx
@@ -4732,7 +4732,7 @@
             </a:endParaRPr>
           </a:p>
           <a:p>
-            <a:pPr marL="0" indent="0" algn="just">
+            <a:pPr marL="1384300" lvl="3" indent="0" algn="just">
               <a:buNone/>
             </a:pPr>
             <a:r>
@@ -4747,7 +4747,7 @@
             </a:r>
           </a:p>
           <a:p>
-            <a:pPr marL="0" indent="0" algn="just">
+            <a:pPr marL="1384300" lvl="3" indent="0" algn="just">
               <a:buNone/>
             </a:pPr>
             <a:r>
@@ -4772,7 +4772,7 @@
             </a:r>
           </a:p>
           <a:p>
-            <a:pPr marL="0" indent="0" algn="just">
+            <a:pPr marL="1384300" lvl="3" indent="0" algn="just">
               <a:buNone/>
             </a:pPr>
             <a:r>
@@ -4807,7 +4807,7 @@
             </a:r>
           </a:p>
           <a:p>
-            <a:pPr marL="0" indent="0" algn="just">
+            <a:pPr marL="1384300" lvl="3" indent="0" algn="just">
               <a:buNone/>
             </a:pPr>
             <a:r>

--- a/01 Classes/Aula 06 Programação Python - Estrutura de Repetição While.pptx
+++ b/01 Classes/Aula 06 Programação Python - Estrutura de Repetição While.pptx
@@ -4585,6 +4585,133 @@
               <a:t>é usado quando queremos que o bloco de código seja repetido até que uma condição seja satisfeita.</a:t>
             </a:r>
           </a:p>
+          <a:p>
+            <a:pPr marL="0" indent="0" algn="just">
+              <a:buNone/>
+            </a:pPr>
+            <a:endParaRPr lang="pt-BR" sz="2400" dirty="0">
+              <a:solidFill>
+                <a:schemeClr val="tx1"/>
+              </a:solidFill>
+              <a:latin typeface="Times New Roman" panose="02020603050405020304" pitchFamily="18" charset="0"/>
+              <a:cs typeface="Times New Roman" panose="02020603050405020304" pitchFamily="18" charset="0"/>
+            </a:endParaRPr>
+          </a:p>
+          <a:p>
+            <a:pPr marL="0" indent="0" algn="just">
+              <a:buNone/>
+            </a:pPr>
+            <a:r>
+              <a:rPr lang="pt-BR" sz="2400" dirty="0">
+                <a:solidFill>
+                  <a:schemeClr val="tx1"/>
+                </a:solidFill>
+                <a:latin typeface="Times New Roman" panose="02020603050405020304" pitchFamily="18" charset="0"/>
+                <a:cs typeface="Times New Roman" panose="02020603050405020304" pitchFamily="18" charset="0"/>
+              </a:rPr>
+              <a:t>Sintaxe: </a:t>
+            </a:r>
+            <a:r>
+              <a:rPr lang="pt-BR" sz="2400" b="1" dirty="0">
+                <a:solidFill>
+                  <a:schemeClr val="tx1"/>
+                </a:solidFill>
+                <a:latin typeface="Times New Roman" panose="02020603050405020304" pitchFamily="18" charset="0"/>
+                <a:cs typeface="Times New Roman" panose="02020603050405020304" pitchFamily="18" charset="0"/>
+              </a:rPr>
+              <a:t>Nota</a:t>
+            </a:r>
+            <a:r>
+              <a:rPr lang="pt-BR" sz="2400" dirty="0">
+                <a:solidFill>
+                  <a:schemeClr val="tx1"/>
+                </a:solidFill>
+                <a:latin typeface="Times New Roman" panose="02020603050405020304" pitchFamily="18" charset="0"/>
+                <a:cs typeface="Times New Roman" panose="02020603050405020304" pitchFamily="18" charset="0"/>
+              </a:rPr>
+              <a:t>: Se expressão verdadeira, entra no </a:t>
+            </a:r>
+            <a:r>
+              <a:rPr lang="pt-BR" sz="2400" dirty="0" err="1">
+                <a:solidFill>
+                  <a:schemeClr val="tx1"/>
+                </a:solidFill>
+                <a:latin typeface="Times New Roman" panose="02020603050405020304" pitchFamily="18" charset="0"/>
+                <a:cs typeface="Times New Roman" panose="02020603050405020304" pitchFamily="18" charset="0"/>
+              </a:rPr>
+              <a:t>while</a:t>
+            </a:r>
+            <a:r>
+              <a:rPr lang="pt-BR" sz="2400" dirty="0">
+                <a:solidFill>
+                  <a:schemeClr val="tx1"/>
+                </a:solidFill>
+                <a:latin typeface="Times New Roman" panose="02020603050405020304" pitchFamily="18" charset="0"/>
+                <a:cs typeface="Times New Roman" panose="02020603050405020304" pitchFamily="18" charset="0"/>
+              </a:rPr>
+              <a:t>, se falta, sai.</a:t>
+            </a:r>
+          </a:p>
+          <a:p>
+            <a:pPr marL="0" indent="0" algn="just">
+              <a:buNone/>
+            </a:pPr>
+            <a:r>
+              <a:rPr lang="pt-BR" sz="2400" dirty="0">
+                <a:solidFill>
+                  <a:schemeClr val="tx1"/>
+                </a:solidFill>
+                <a:latin typeface="Times New Roman" panose="02020603050405020304" pitchFamily="18" charset="0"/>
+                <a:cs typeface="Times New Roman" panose="02020603050405020304" pitchFamily="18" charset="0"/>
+              </a:rPr>
+              <a:t>	</a:t>
+            </a:r>
+            <a:r>
+              <a:rPr lang="pt-BR" sz="2400" b="1" dirty="0" err="1">
+                <a:solidFill>
+                  <a:schemeClr val="tx1"/>
+                </a:solidFill>
+                <a:latin typeface="Times New Roman" panose="02020603050405020304" pitchFamily="18" charset="0"/>
+                <a:cs typeface="Times New Roman" panose="02020603050405020304" pitchFamily="18" charset="0"/>
+              </a:rPr>
+              <a:t>while</a:t>
+            </a:r>
+            <a:r>
+              <a:rPr lang="pt-BR" sz="2400" dirty="0">
+                <a:solidFill>
+                  <a:schemeClr val="tx1"/>
+                </a:solidFill>
+                <a:latin typeface="Times New Roman" panose="02020603050405020304" pitchFamily="18" charset="0"/>
+                <a:cs typeface="Times New Roman" panose="02020603050405020304" pitchFamily="18" charset="0"/>
+              </a:rPr>
+              <a:t> (expressão): # </a:t>
+            </a:r>
+            <a:r>
+              <a:rPr lang="pt-BR" sz="2400" b="1" dirty="0">
+                <a:solidFill>
+                  <a:srgbClr val="FF0000"/>
+                </a:solidFill>
+                <a:latin typeface="Times New Roman" panose="02020603050405020304" pitchFamily="18" charset="0"/>
+                <a:cs typeface="Times New Roman" panose="02020603050405020304" pitchFamily="18" charset="0"/>
+              </a:rPr>
+              <a:t>condição</a:t>
+            </a:r>
+          </a:p>
+          <a:p>
+            <a:pPr marL="0" indent="0" algn="just">
+              <a:buNone/>
+            </a:pPr>
+            <a:r>
+              <a:rPr lang="pt-BR" sz="2400" dirty="0">
+                <a:solidFill>
+                  <a:schemeClr val="tx1"/>
+                </a:solidFill>
+                <a:latin typeface="Times New Roman" panose="02020603050405020304" pitchFamily="18" charset="0"/>
+                <a:cs typeface="Times New Roman" panose="02020603050405020304" pitchFamily="18" charset="0"/>
+              </a:rPr>
+              <a:t>		instruções</a:t>
+            </a:r>
+          </a:p>
         </p:txBody>
       </p:sp>
     </p:spTree>
@@ -4720,10 +4847,10 @@
             </a:r>
           </a:p>
           <a:p>
-            <a:pPr marL="0" indent="0" algn="just">
+            <a:pPr marL="1384300" lvl="3" indent="0" algn="just">
               <a:buNone/>
             </a:pPr>
-            <a:endParaRPr lang="pt-BR" sz="3200" b="1" dirty="0">
+            <a:endParaRPr lang="pt-BR" sz="3200" dirty="0">
               <a:solidFill>
                 <a:schemeClr val="tx1"/>
               </a:solidFill>
@@ -4743,7 +4870,7 @@
                 <a:latin typeface="Times New Roman" panose="02020603050405020304" pitchFamily="18" charset="0"/>
                 <a:cs typeface="Times New Roman" panose="02020603050405020304" pitchFamily="18" charset="0"/>
               </a:rPr>
-              <a:t>contador = 0;</a:t>
+              <a:t>contador = 0</a:t>
             </a:r>
           </a:p>
           <a:p>
@@ -4803,7 +4930,7 @@
                 <a:latin typeface="Times New Roman" panose="02020603050405020304" pitchFamily="18" charset="0"/>
                 <a:cs typeface="Times New Roman" panose="02020603050405020304" pitchFamily="18" charset="0"/>
               </a:rPr>
-              <a:t>(contador);</a:t>
+              <a:t>(contador)</a:t>
             </a:r>
           </a:p>
           <a:p>
@@ -4818,7 +4945,7 @@
                 <a:latin typeface="Times New Roman" panose="02020603050405020304" pitchFamily="18" charset="0"/>
                 <a:cs typeface="Times New Roman" panose="02020603050405020304" pitchFamily="18" charset="0"/>
               </a:rPr>
-              <a:t>	contador += 1;</a:t>
+              <a:t>	contador += 1</a:t>
             </a:r>
           </a:p>
         </p:txBody>
@@ -4960,12 +5087,35 @@
                 <a:cs typeface="Times New Roman" panose="02020603050405020304" pitchFamily="18" charset="0"/>
                 <a:hlinkClick r:id="rId3"/>
               </a:rPr>
-              <a:t>https://www.w3schools.com/python/python_variables.asp</a:t>
-            </a:r>
-            <a:endParaRPr lang="pt-BR" dirty="0">
-              <a:latin typeface="Times New Roman" panose="02020603050405020304" pitchFamily="18" charset="0"/>
-              <a:cs typeface="Times New Roman" panose="02020603050405020304" pitchFamily="18" charset="0"/>
-            </a:endParaRPr>
+              <a:t>https://www.w3schools.com/python/python_while_loops.asp</a:t>
+            </a:r>
+            <a:r>
+              <a:rPr lang="pt-BR" dirty="0">
+                <a:latin typeface="Times New Roman" panose="02020603050405020304" pitchFamily="18" charset="0"/>
+                <a:cs typeface="Times New Roman" panose="02020603050405020304" pitchFamily="18" charset="0"/>
+              </a:rPr>
+              <a:t> </a:t>
+            </a:r>
+          </a:p>
+          <a:p>
+            <a:pPr marL="0" indent="0" algn="just">
+              <a:buNone/>
+            </a:pPr>
+            <a:r>
+              <a:rPr lang="pt-BR" dirty="0">
+                <a:latin typeface="Times New Roman" panose="02020603050405020304" pitchFamily="18" charset="0"/>
+                <a:cs typeface="Times New Roman" panose="02020603050405020304" pitchFamily="18" charset="0"/>
+                <a:hlinkClick r:id="rId4"/>
+              </a:rPr>
+              <a:t>https://www.w3schools.com/python/gloss_python_while.asp</a:t>
+            </a:r>
+            <a:r>
+              <a:rPr lang="pt-BR" dirty="0">
+                <a:latin typeface="Times New Roman" panose="02020603050405020304" pitchFamily="18" charset="0"/>
+                <a:cs typeface="Times New Roman" panose="02020603050405020304" pitchFamily="18" charset="0"/>
+              </a:rPr>
+              <a:t> </a:t>
+            </a:r>
           </a:p>
           <a:p>
             <a:pPr marL="0" indent="0" algn="just">
@@ -4980,15 +5130,6 @@
             <a:pPr marL="0" indent="0" algn="just">
               <a:buNone/>
             </a:pPr>
-            <a:endParaRPr lang="pt-BR" dirty="0">
-              <a:latin typeface="Times New Roman" panose="02020603050405020304" pitchFamily="18" charset="0"/>
-              <a:cs typeface="Times New Roman" panose="02020603050405020304" pitchFamily="18" charset="0"/>
-            </a:endParaRPr>
-          </a:p>
-          <a:p>
-            <a:pPr marL="0" indent="0" algn="just">
-              <a:buNone/>
-            </a:pPr>
             <a:r>
               <a:rPr lang="pt-BR" dirty="0">
                 <a:latin typeface="Times New Roman" panose="02020603050405020304" pitchFamily="18" charset="0"/>
@@ -5000,7 +5141,7 @@
               <a:rPr lang="pt-BR" dirty="0">
                 <a:latin typeface="Times New Roman" panose="02020603050405020304" pitchFamily="18" charset="0"/>
                 <a:cs typeface="Times New Roman" panose="02020603050405020304" pitchFamily="18" charset="0"/>
-                <a:hlinkClick r:id="rId4"/>
+                <a:hlinkClick r:id="rId5"/>
               </a:rPr>
               <a:t>https://docs.python.org/pt-br/3/tutorial/</a:t>
             </a:r>
@@ -5152,7 +5293,7 @@
             <a:pPr marL="0" indent="0" algn="just">
               <a:buNone/>
             </a:pPr>
-            <a:endParaRPr lang="pt-BR" sz="2000" dirty="0">
+            <a:endParaRPr lang="pt-BR" dirty="0">
               <a:latin typeface="Times New Roman" panose="02020603050405020304" pitchFamily="18" charset="0"/>
               <a:cs typeface="Times New Roman" panose="02020603050405020304" pitchFamily="18" charset="0"/>
             </a:endParaRPr>
@@ -5162,21 +5303,47 @@
               <a:buNone/>
             </a:pPr>
             <a:r>
-              <a:rPr lang="pt-BR" sz="2000" dirty="0">
+              <a:rPr lang="pt-BR" dirty="0">
                 <a:latin typeface="Times New Roman" panose="02020603050405020304" pitchFamily="18" charset="0"/>
                 <a:cs typeface="Times New Roman" panose="02020603050405020304" pitchFamily="18" charset="0"/>
               </a:rPr>
               <a:t>[1] </a:t>
             </a:r>
             <a:r>
-              <a:rPr lang="pt-BR" sz="2000" dirty="0">
+              <a:rPr lang="pt-BR" dirty="0" err="1">
+                <a:latin typeface="Times New Roman" panose="02020603050405020304" pitchFamily="18" charset="0"/>
+                <a:cs typeface="Times New Roman" panose="02020603050405020304" pitchFamily="18" charset="0"/>
+              </a:rPr>
+              <a:t>While</a:t>
+            </a:r>
+            <a:r>
+              <a:rPr lang="pt-BR" dirty="0">
+                <a:latin typeface="Times New Roman" panose="02020603050405020304" pitchFamily="18" charset="0"/>
+                <a:cs typeface="Times New Roman" panose="02020603050405020304" pitchFamily="18" charset="0"/>
+              </a:rPr>
+              <a:t>: </a:t>
+            </a:r>
+            <a:r>
+              <a:rPr lang="pt-BR" dirty="0">
                 <a:latin typeface="Times New Roman" panose="02020603050405020304" pitchFamily="18" charset="0"/>
                 <a:cs typeface="Times New Roman" panose="02020603050405020304" pitchFamily="18" charset="0"/>
                 <a:hlinkClick r:id="rId3"/>
               </a:rPr>
-              <a:t>https://www.programiz.com/python-programming/variables-constants-literals</a:t>
-            </a:r>
-            <a:endParaRPr lang="pt-BR" sz="2000" dirty="0">
+              <a:t>https://youtu.be/LH6OIn2lBaI</a:t>
+            </a:r>
+            <a:r>
+              <a:rPr lang="pt-BR" dirty="0">
+                <a:latin typeface="Times New Roman" panose="02020603050405020304" pitchFamily="18" charset="0"/>
+                <a:cs typeface="Times New Roman" panose="02020603050405020304" pitchFamily="18" charset="0"/>
+              </a:rPr>
+              <a:t> </a:t>
+            </a:r>
+          </a:p>
+          <a:p>
+            <a:pPr marL="0" indent="0" algn="just">
+              <a:buNone/>
+            </a:pPr>
+            <a:endParaRPr lang="pt-BR" dirty="0">
               <a:latin typeface="Times New Roman" panose="02020603050405020304" pitchFamily="18" charset="0"/>
               <a:cs typeface="Times New Roman" panose="02020603050405020304" pitchFamily="18" charset="0"/>
             </a:endParaRPr>
@@ -5185,7 +5352,7 @@
             <a:pPr marL="0" indent="0" algn="just">
               <a:buNone/>
             </a:pPr>
-            <a:endParaRPr lang="pt-BR" sz="2000" dirty="0">
+            <a:endParaRPr lang="pt-BR" dirty="0">
               <a:latin typeface="Times New Roman" panose="02020603050405020304" pitchFamily="18" charset="0"/>
               <a:cs typeface="Times New Roman" panose="02020603050405020304" pitchFamily="18" charset="0"/>
             </a:endParaRPr>
@@ -5194,7 +5361,48 @@
             <a:pPr marL="0" indent="0" algn="just">
               <a:buNone/>
             </a:pPr>
-            <a:endParaRPr lang="pt-BR" sz="2000" dirty="0">
+            <a:r>
+              <a:rPr lang="pt-BR" dirty="0">
+                <a:latin typeface="Times New Roman" panose="02020603050405020304" pitchFamily="18" charset="0"/>
+                <a:cs typeface="Times New Roman" panose="02020603050405020304" pitchFamily="18" charset="0"/>
+              </a:rPr>
+              <a:t>[2] </a:t>
+            </a:r>
+            <a:r>
+              <a:rPr lang="pt-BR" dirty="0" err="1">
+                <a:latin typeface="Times New Roman" panose="02020603050405020304" pitchFamily="18" charset="0"/>
+                <a:cs typeface="Times New Roman" panose="02020603050405020304" pitchFamily="18" charset="0"/>
+              </a:rPr>
+              <a:t>While</a:t>
+            </a:r>
+            <a:r>
+              <a:rPr lang="pt-BR" dirty="0">
+                <a:latin typeface="Times New Roman" panose="02020603050405020304" pitchFamily="18" charset="0"/>
+                <a:cs typeface="Times New Roman" panose="02020603050405020304" pitchFamily="18" charset="0"/>
+              </a:rPr>
+              <a:t>: </a:t>
+            </a:r>
+            <a:r>
+              <a:rPr lang="pt-BR" dirty="0">
+                <a:latin typeface="Times New Roman" panose="02020603050405020304" pitchFamily="18" charset="0"/>
+                <a:cs typeface="Times New Roman" panose="02020603050405020304" pitchFamily="18" charset="0"/>
+                <a:hlinkClick r:id="rId4"/>
+              </a:rPr>
+              <a:t>https://youtu.be/VynNy4Ix9Fc</a:t>
+            </a:r>
+            <a:r>
+              <a:rPr lang="pt-BR" dirty="0">
+                <a:latin typeface="Times New Roman" panose="02020603050405020304" pitchFamily="18" charset="0"/>
+                <a:cs typeface="Times New Roman" panose="02020603050405020304" pitchFamily="18" charset="0"/>
+              </a:rPr>
+              <a:t> </a:t>
+            </a:r>
+          </a:p>
+          <a:p>
+            <a:pPr marL="0" indent="0" algn="just">
+              <a:buNone/>
+            </a:pPr>
+            <a:endParaRPr lang="pt-BR" dirty="0">
               <a:latin typeface="Times New Roman" panose="02020603050405020304" pitchFamily="18" charset="0"/>
               <a:cs typeface="Times New Roman" panose="02020603050405020304" pitchFamily="18" charset="0"/>
             </a:endParaRPr>
@@ -5203,22 +5411,7 @@
             <a:pPr marL="0" indent="0" algn="just">
               <a:buNone/>
             </a:pPr>
-            <a:r>
-              <a:rPr lang="pt-BR" sz="2000" dirty="0">
-                <a:latin typeface="Times New Roman" panose="02020603050405020304" pitchFamily="18" charset="0"/>
-                <a:cs typeface="Times New Roman" panose="02020603050405020304" pitchFamily="18" charset="0"/>
-              </a:rPr>
-              <a:t>[2] </a:t>
-            </a:r>
-            <a:r>
-              <a:rPr lang="pt-BR" sz="2000" dirty="0">
-                <a:latin typeface="Times New Roman" panose="02020603050405020304" pitchFamily="18" charset="0"/>
-                <a:cs typeface="Times New Roman" panose="02020603050405020304" pitchFamily="18" charset="0"/>
-                <a:hlinkClick r:id="rId4"/>
-              </a:rPr>
-              <a:t>https://www.programiz.com/python-programming/examples/swap-variables</a:t>
-            </a:r>
-            <a:endParaRPr lang="pt-BR" sz="2000" dirty="0">
+            <a:endParaRPr lang="pt-BR" dirty="0">
               <a:latin typeface="Times New Roman" panose="02020603050405020304" pitchFamily="18" charset="0"/>
               <a:cs typeface="Times New Roman" panose="02020603050405020304" pitchFamily="18" charset="0"/>
             </a:endParaRPr>
@@ -5227,7 +5420,7 @@
             <a:pPr marL="0" indent="0" algn="just">
               <a:buNone/>
             </a:pPr>
-            <a:endParaRPr lang="pt-BR" sz="2000" dirty="0">
+            <a:endParaRPr lang="pt-BR" dirty="0">
               <a:latin typeface="Times New Roman" panose="02020603050405020304" pitchFamily="18" charset="0"/>
               <a:cs typeface="Times New Roman" panose="02020603050405020304" pitchFamily="18" charset="0"/>
             </a:endParaRPr>
@@ -5236,25 +5429,7 @@
             <a:pPr marL="0" indent="0" algn="just">
               <a:buNone/>
             </a:pPr>
-            <a:endParaRPr lang="pt-BR" sz="2000" dirty="0">
-              <a:latin typeface="Times New Roman" panose="02020603050405020304" pitchFamily="18" charset="0"/>
-              <a:cs typeface="Times New Roman" panose="02020603050405020304" pitchFamily="18" charset="0"/>
-            </a:endParaRPr>
-          </a:p>
-          <a:p>
-            <a:pPr marL="0" indent="0" algn="just">
-              <a:buNone/>
-            </a:pPr>
-            <a:endParaRPr lang="pt-BR" sz="2000" dirty="0">
-              <a:latin typeface="Times New Roman" panose="02020603050405020304" pitchFamily="18" charset="0"/>
-              <a:cs typeface="Times New Roman" panose="02020603050405020304" pitchFamily="18" charset="0"/>
-            </a:endParaRPr>
-          </a:p>
-          <a:p>
-            <a:pPr marL="0" indent="0" algn="just">
-              <a:buNone/>
-            </a:pPr>
-            <a:endParaRPr lang="pt-BR" sz="2000" dirty="0">
+            <a:endParaRPr lang="pt-BR" dirty="0">
               <a:latin typeface="Calibri" panose="020F0502020204030204" pitchFamily="34" charset="0"/>
             </a:endParaRPr>
           </a:p>
